--- a/Shegan NM.pptx
+++ b/Shegan NM.pptx
@@ -4037,7 +4037,7 @@
         <p:spPr>
           <a:xfrm>
             <a:off x="755332" y="385444"/>
-            <a:ext cx="10681335" cy="3508653"/>
+            <a:ext cx="10681335" cy="4247317"/>
           </a:xfrm>
         </p:spPr>
         <p:txBody>
@@ -4068,9 +4068,14 @@
               <a:rPr lang="en-US" sz="2800" dirty="0"/>
             </a:br>
             <a:r>
+              <a:rPr lang="en-US" sz="2800" dirty="0">
+                <a:hlinkClick r:id="rId2"/>
+              </a:rPr>
+              <a:t>https://github.com/shegg0210/Ngo-portfolio</a:t>
+            </a:r>
+            <a:br>
               <a:rPr lang="en-US" sz="2800" dirty="0"/>
-              <a:t>https://github.com/shegg0210/Ngo-portfolio-</a:t>
-            </a:r>
+            </a:br>
             <a:endParaRPr lang="en-IN" dirty="0"/>
           </a:p>
         </p:txBody>
